--- a/Discord Bot.pptx
+++ b/Discord Bot.pptx
@@ -110,6 +110,11 @@
       </a:defRPr>
     </a:lvl9pPr>
   </p:defaultTextStyle>
+  <p:extLst>
+    <p:ext uri="{EFAFB233-063F-42B5-8137-9DF3F51BA10A}">
+      <p15:sldGuideLst xmlns:p15="http://schemas.microsoft.com/office/powerpoint/2012/main"/>
+    </p:ext>
+  </p:extLst>
 </p:presentation>
 </file>
 
@@ -837,7 +842,7 @@
           <a:p>
             <a:fld id="{1B854A12-20A5-4F65-B5AE-35A1E2D28AF1}" type="datetimeFigureOut">
               <a:rPr lang="ru-RU" smtClean="0"/>
-              <a:t>02.05.2020</a:t>
+              <a:t>10.05.2020</a:t>
             </a:fld>
             <a:endParaRPr lang="ru-RU"/>
           </a:p>
@@ -1088,7 +1093,7 @@
           <a:p>
             <a:fld id="{1B854A12-20A5-4F65-B5AE-35A1E2D28AF1}" type="datetimeFigureOut">
               <a:rPr lang="ru-RU" smtClean="0"/>
-              <a:t>02.05.2020</a:t>
+              <a:t>10.05.2020</a:t>
             </a:fld>
             <a:endParaRPr lang="ru-RU"/>
           </a:p>
@@ -1402,7 +1407,7 @@
           <a:p>
             <a:fld id="{1B854A12-20A5-4F65-B5AE-35A1E2D28AF1}" type="datetimeFigureOut">
               <a:rPr lang="ru-RU" smtClean="0"/>
-              <a:t>02.05.2020</a:t>
+              <a:t>10.05.2020</a:t>
             </a:fld>
             <a:endParaRPr lang="ru-RU"/>
           </a:p>
@@ -1729,7 +1734,7 @@
           <a:p>
             <a:fld id="{1B854A12-20A5-4F65-B5AE-35A1E2D28AF1}" type="datetimeFigureOut">
               <a:rPr lang="ru-RU" smtClean="0"/>
-              <a:t>02.05.2020</a:t>
+              <a:t>10.05.2020</a:t>
             </a:fld>
             <a:endParaRPr lang="ru-RU"/>
           </a:p>
@@ -2043,7 +2048,7 @@
           <a:p>
             <a:fld id="{1B854A12-20A5-4F65-B5AE-35A1E2D28AF1}" type="datetimeFigureOut">
               <a:rPr lang="ru-RU" smtClean="0"/>
-              <a:t>02.05.2020</a:t>
+              <a:t>10.05.2020</a:t>
             </a:fld>
             <a:endParaRPr lang="ru-RU"/>
           </a:p>
@@ -2430,7 +2435,7 @@
           <a:p>
             <a:fld id="{1B854A12-20A5-4F65-B5AE-35A1E2D28AF1}" type="datetimeFigureOut">
               <a:rPr lang="ru-RU" smtClean="0"/>
-              <a:t>02.05.2020</a:t>
+              <a:t>10.05.2020</a:t>
             </a:fld>
             <a:endParaRPr lang="ru-RU"/>
           </a:p>
@@ -2600,7 +2605,7 @@
           <a:p>
             <a:fld id="{1B854A12-20A5-4F65-B5AE-35A1E2D28AF1}" type="datetimeFigureOut">
               <a:rPr lang="ru-RU" smtClean="0"/>
-              <a:t>02.05.2020</a:t>
+              <a:t>10.05.2020</a:t>
             </a:fld>
             <a:endParaRPr lang="ru-RU"/>
           </a:p>
@@ -2780,7 +2785,7 @@
           <a:p>
             <a:fld id="{1B854A12-20A5-4F65-B5AE-35A1E2D28AF1}" type="datetimeFigureOut">
               <a:rPr lang="ru-RU" smtClean="0"/>
-              <a:t>02.05.2020</a:t>
+              <a:t>10.05.2020</a:t>
             </a:fld>
             <a:endParaRPr lang="ru-RU"/>
           </a:p>
@@ -2956,7 +2961,7 @@
           <a:p>
             <a:fld id="{1B854A12-20A5-4F65-B5AE-35A1E2D28AF1}" type="datetimeFigureOut">
               <a:rPr lang="ru-RU" smtClean="0"/>
-              <a:t>02.05.2020</a:t>
+              <a:t>10.05.2020</a:t>
             </a:fld>
             <a:endParaRPr lang="ru-RU"/>
           </a:p>
@@ -3203,7 +3208,7 @@
           <a:p>
             <a:fld id="{1B854A12-20A5-4F65-B5AE-35A1E2D28AF1}" type="datetimeFigureOut">
               <a:rPr lang="ru-RU" smtClean="0"/>
-              <a:t>02.05.2020</a:t>
+              <a:t>10.05.2020</a:t>
             </a:fld>
             <a:endParaRPr lang="ru-RU"/>
           </a:p>
@@ -3435,7 +3440,7 @@
           <a:p>
             <a:fld id="{1B854A12-20A5-4F65-B5AE-35A1E2D28AF1}" type="datetimeFigureOut">
               <a:rPr lang="ru-RU" smtClean="0"/>
-              <a:t>02.05.2020</a:t>
+              <a:t>10.05.2020</a:t>
             </a:fld>
             <a:endParaRPr lang="ru-RU"/>
           </a:p>
@@ -3809,7 +3814,7 @@
           <a:p>
             <a:fld id="{1B854A12-20A5-4F65-B5AE-35A1E2D28AF1}" type="datetimeFigureOut">
               <a:rPr lang="ru-RU" smtClean="0"/>
-              <a:t>02.05.2020</a:t>
+              <a:t>10.05.2020</a:t>
             </a:fld>
             <a:endParaRPr lang="ru-RU"/>
           </a:p>
@@ -3932,7 +3937,7 @@
           <a:p>
             <a:fld id="{1B854A12-20A5-4F65-B5AE-35A1E2D28AF1}" type="datetimeFigureOut">
               <a:rPr lang="ru-RU" smtClean="0"/>
-              <a:t>02.05.2020</a:t>
+              <a:t>10.05.2020</a:t>
             </a:fld>
             <a:endParaRPr lang="ru-RU"/>
           </a:p>
@@ -4027,7 +4032,7 @@
           <a:p>
             <a:fld id="{1B854A12-20A5-4F65-B5AE-35A1E2D28AF1}" type="datetimeFigureOut">
               <a:rPr lang="ru-RU" smtClean="0"/>
-              <a:t>02.05.2020</a:t>
+              <a:t>10.05.2020</a:t>
             </a:fld>
             <a:endParaRPr lang="ru-RU"/>
           </a:p>
@@ -4282,7 +4287,7 @@
           <a:p>
             <a:fld id="{1B854A12-20A5-4F65-B5AE-35A1E2D28AF1}" type="datetimeFigureOut">
               <a:rPr lang="ru-RU" smtClean="0"/>
-              <a:t>02.05.2020</a:t>
+              <a:t>10.05.2020</a:t>
             </a:fld>
             <a:endParaRPr lang="ru-RU"/>
           </a:p>
@@ -4545,7 +4550,7 @@
           <a:p>
             <a:fld id="{1B854A12-20A5-4F65-B5AE-35A1E2D28AF1}" type="datetimeFigureOut">
               <a:rPr lang="ru-RU" smtClean="0"/>
-              <a:t>02.05.2020</a:t>
+              <a:t>10.05.2020</a:t>
             </a:fld>
             <a:endParaRPr lang="ru-RU"/>
           </a:p>
@@ -5290,7 +5295,7 @@
           <a:p>
             <a:fld id="{1B854A12-20A5-4F65-B5AE-35A1E2D28AF1}" type="datetimeFigureOut">
               <a:rPr lang="ru-RU" smtClean="0"/>
-              <a:t>02.05.2020</a:t>
+              <a:t>10.05.2020</a:t>
             </a:fld>
             <a:endParaRPr lang="ru-RU"/>
           </a:p>
@@ -6111,8 +6116,39 @@
             </a:r>
             <a:r>
               <a:rPr lang="ru-RU" dirty="0"/>
-              <a:t>– выключить плеер</a:t>
-            </a:r>
+              <a:t>– выключить </a:t>
+            </a:r>
+            <a:r>
+              <a:rPr lang="ru-RU" dirty="0" smtClean="0"/>
+              <a:t>плеер</a:t>
+            </a:r>
+          </a:p>
+          <a:p>
+            <a:r>
+              <a:rPr lang="ru-RU" dirty="0" smtClean="0"/>
+              <a:t>-</a:t>
+            </a:r>
+            <a:r>
+              <a:rPr lang="en-US" dirty="0" smtClean="0"/>
+              <a:t>chart - </a:t>
+            </a:r>
+            <a:r>
+              <a:rPr lang="ru-RU" dirty="0" smtClean="0"/>
+              <a:t>включить </a:t>
+            </a:r>
+            <a:r>
+              <a:rPr lang="ru-RU" dirty="0" err="1"/>
+              <a:t>чарт</a:t>
+            </a:r>
+            <a:r>
+              <a:rPr lang="ru-RU" dirty="0"/>
+              <a:t> </a:t>
+            </a:r>
+            <a:r>
+              <a:rPr lang="ru-RU" dirty="0" err="1"/>
+              <a:t>Яндекс.Музыки</a:t>
+            </a:r>
+            <a:endParaRPr lang="ru-RU" dirty="0"/>
           </a:p>
           <a:p>
             <a:endParaRPr lang="ru-RU" dirty="0"/>
@@ -6141,7 +6177,7 @@
         </p:blipFill>
         <p:spPr>
           <a:xfrm>
-            <a:off x="4975668" y="2987407"/>
+            <a:off x="5852998" y="2987407"/>
             <a:ext cx="5272434" cy="1769943"/>
           </a:xfrm>
           <a:prstGeom prst="rect">
@@ -6410,11 +6446,67 @@
           <a:p>
             <a:r>
               <a:rPr lang="ru-RU" dirty="0"/>
-              <a:t>Эти данные также можно узнать на специальном сайте, введя имя нужного пользователя.</a:t>
-            </a:r>
-          </a:p>
-        </p:txBody>
-      </p:sp>
+              <a:t>Эти данные также можно узнать на специальном сайте. На главной странице показывается топ пользователей, а также присутствует поиск по </a:t>
+            </a:r>
+            <a:r>
+              <a:rPr lang="ru-RU" dirty="0" err="1"/>
+              <a:t>нику</a:t>
+            </a:r>
+            <a:r>
+              <a:rPr lang="ru-RU" dirty="0"/>
+              <a:t>.</a:t>
+            </a:r>
+          </a:p>
+        </p:txBody>
+      </p:sp>
+      <p:pic>
+        <p:nvPicPr>
+          <p:cNvPr id="5" name="Рисунок 4"/>
+          <p:cNvPicPr>
+            <a:picLocks noChangeAspect="1"/>
+          </p:cNvPicPr>
+          <p:nvPr/>
+        </p:nvPicPr>
+        <p:blipFill>
+          <a:blip r:embed="rId2"/>
+          <a:stretch>
+            <a:fillRect/>
+          </a:stretch>
+        </p:blipFill>
+        <p:spPr>
+          <a:xfrm>
+            <a:off x="345989" y="3355457"/>
+            <a:ext cx="11155604" cy="1491036"/>
+          </a:xfrm>
+          <a:prstGeom prst="rect">
+            <a:avLst/>
+          </a:prstGeom>
+        </p:spPr>
+      </p:pic>
+      <p:pic>
+        <p:nvPicPr>
+          <p:cNvPr id="6" name="Рисунок 5"/>
+          <p:cNvPicPr>
+            <a:picLocks noChangeAspect="1"/>
+          </p:cNvPicPr>
+          <p:nvPr/>
+        </p:nvPicPr>
+        <p:blipFill>
+          <a:blip r:embed="rId3"/>
+          <a:stretch>
+            <a:fillRect/>
+          </a:stretch>
+        </p:blipFill>
+        <p:spPr>
+          <a:xfrm>
+            <a:off x="345989" y="5177279"/>
+            <a:ext cx="11155604" cy="864083"/>
+          </a:xfrm>
+          <a:prstGeom prst="rect">
+            <a:avLst/>
+          </a:prstGeom>
+        </p:spPr>
+      </p:pic>
     </p:spTree>
     <p:extLst>
       <p:ext uri="{BB962C8B-B14F-4D97-AF65-F5344CB8AC3E}">
@@ -6505,20 +6597,48 @@
             </a:r>
             <a:r>
               <a:rPr lang="ru-RU" dirty="0"/>
-              <a:t>при помощи команды -</a:t>
-            </a:r>
-            <a:r>
-              <a:rPr lang="ru-RU" dirty="0" err="1"/>
+              <a:t>при помощи команды </a:t>
+            </a:r>
+            <a:r>
+              <a:rPr lang="ru-RU" dirty="0" smtClean="0"/>
+              <a:t>–</a:t>
+            </a:r>
+            <a:r>
+              <a:rPr lang="ru-RU" dirty="0" err="1" smtClean="0"/>
               <a:t>mem</a:t>
             </a:r>
             <a:r>
-              <a:rPr lang="en-US" dirty="0"/>
-              <a:t>e</a:t>
+              <a:rPr lang="en-US" dirty="0" smtClean="0"/>
+              <a:t>e.</a:t>
             </a:r>
             <a:endParaRPr lang="ru-RU" dirty="0"/>
           </a:p>
         </p:txBody>
       </p:sp>
+      <p:pic>
+        <p:nvPicPr>
+          <p:cNvPr id="4" name="Рисунок 3"/>
+          <p:cNvPicPr>
+            <a:picLocks noChangeAspect="1"/>
+          </p:cNvPicPr>
+          <p:nvPr/>
+        </p:nvPicPr>
+        <p:blipFill>
+          <a:blip r:embed="rId2"/>
+          <a:stretch>
+            <a:fillRect/>
+          </a:stretch>
+        </p:blipFill>
+        <p:spPr>
+          <a:xfrm>
+            <a:off x="2569928" y="2653859"/>
+            <a:ext cx="3962953" cy="3848637"/>
+          </a:xfrm>
+          <a:prstGeom prst="rect">
+            <a:avLst/>
+          </a:prstGeom>
+        </p:spPr>
+      </p:pic>
     </p:spTree>
     <p:extLst>
       <p:ext uri="{BB962C8B-B14F-4D97-AF65-F5344CB8AC3E}">
@@ -6669,12 +6789,27 @@
               <a:t> </a:t>
             </a:r>
             <a:r>
-              <a:rPr lang="ru-RU"/>
-              <a:t>– для реализации асинхронных функций и очереди песен</a:t>
-            </a:r>
-          </a:p>
-          <a:p>
-            <a:endParaRPr lang="ru-RU"/>
+              <a:rPr lang="ru-RU" dirty="0"/>
+              <a:t>– для реализации асинхронных функций и очереди </a:t>
+            </a:r>
+            <a:r>
+              <a:rPr lang="ru-RU" dirty="0" smtClean="0"/>
+              <a:t>песен</a:t>
+            </a:r>
+            <a:r>
+              <a:rPr lang="en-US" dirty="0" smtClean="0"/>
+              <a:t>. </a:t>
+            </a:r>
+            <a:r>
+              <a:rPr lang="ru-RU" dirty="0"/>
+              <a:t>Благодаря асинхронным функциям бот может выполнять сразу несколько задач.</a:t>
+            </a:r>
+          </a:p>
+          <a:p>
+            <a:endParaRPr lang="ru-RU" dirty="0"/>
+          </a:p>
+          <a:p>
+            <a:endParaRPr lang="ru-RU" dirty="0"/>
           </a:p>
         </p:txBody>
       </p:sp>
